--- a/ppt 16-9/1388.神爱世人.pptx
+++ b/ppt 16-9/1388.神爱世人.pptx
@@ -129,7 +129,7 @@
           <p:cNvPr id="2" name="标题 1">
             <a:extLst>
               <a:ext uri="{FF2B5EF4-FFF2-40B4-BE49-F238E27FC236}">
-                <a16:creationId xmlns:a16="http://schemas.microsoft.com/office/drawing/2014/main" id="{CA6B3DED-7110-1892-3EE8-6867F4D89D02}"/>
+                <a16:creationId xmlns:a16="http://schemas.microsoft.com/office/drawing/2014/main" id="{531E235A-0B14-F7B6-AB7E-E0C584462036}"/>
               </a:ext>
             </a:extLst>
           </p:cNvPr>
@@ -166,7 +166,7 @@
           <p:cNvPr id="3" name="副标题 2">
             <a:extLst>
               <a:ext uri="{FF2B5EF4-FFF2-40B4-BE49-F238E27FC236}">
-                <a16:creationId xmlns:a16="http://schemas.microsoft.com/office/drawing/2014/main" id="{1B5460AB-D2A0-C4DF-8754-693457697F8B}"/>
+                <a16:creationId xmlns:a16="http://schemas.microsoft.com/office/drawing/2014/main" id="{159B491F-D275-A63A-5D29-F45D16648428}"/>
               </a:ext>
             </a:extLst>
           </p:cNvPr>
@@ -236,7 +236,7 @@
           <p:cNvPr id="4" name="日期占位符 3">
             <a:extLst>
               <a:ext uri="{FF2B5EF4-FFF2-40B4-BE49-F238E27FC236}">
-                <a16:creationId xmlns:a16="http://schemas.microsoft.com/office/drawing/2014/main" id="{DB340065-CF0D-2136-381A-A16F44D5AB3C}"/>
+                <a16:creationId xmlns:a16="http://schemas.microsoft.com/office/drawing/2014/main" id="{7E0ECC5A-C9BA-BA9C-7230-BFF74C0F2601}"/>
               </a:ext>
             </a:extLst>
           </p:cNvPr>
@@ -252,7 +252,7 @@
           <a:bodyPr/>
           <a:lstStyle/>
           <a:p>
-            <a:fld id="{96718148-C708-4D2A-9502-6237300CB35C}" type="datetimeFigureOut">
+            <a:fld id="{10125793-736B-45F0-8F9C-B91A62A29EAE}" type="datetimeFigureOut">
               <a:rPr lang="zh-CN" altLang="en-US" smtClean="0"/>
               <a:t>2024/3/10</a:t>
             </a:fld>
@@ -265,7 +265,7 @@
           <p:cNvPr id="5" name="页脚占位符 4">
             <a:extLst>
               <a:ext uri="{FF2B5EF4-FFF2-40B4-BE49-F238E27FC236}">
-                <a16:creationId xmlns:a16="http://schemas.microsoft.com/office/drawing/2014/main" id="{586BC224-8459-2CF9-8A38-1C3CA3EE1785}"/>
+                <a16:creationId xmlns:a16="http://schemas.microsoft.com/office/drawing/2014/main" id="{8E77ED2E-91DB-6A4C-5AE9-594EC73CB184}"/>
               </a:ext>
             </a:extLst>
           </p:cNvPr>
@@ -290,7 +290,7 @@
           <p:cNvPr id="6" name="灯片编号占位符 5">
             <a:extLst>
               <a:ext uri="{FF2B5EF4-FFF2-40B4-BE49-F238E27FC236}">
-                <a16:creationId xmlns:a16="http://schemas.microsoft.com/office/drawing/2014/main" id="{5E2CE4A9-17F3-FD8F-2E5D-01B83BB13800}"/>
+                <a16:creationId xmlns:a16="http://schemas.microsoft.com/office/drawing/2014/main" id="{7D44A1CC-EA2A-1830-8CA0-22B464C237A6}"/>
               </a:ext>
             </a:extLst>
           </p:cNvPr>
@@ -306,7 +306,7 @@
           <a:bodyPr/>
           <a:lstStyle/>
           <a:p>
-            <a:fld id="{F33BF736-A6FE-4AAD-AD40-B1BA659B34D4}" type="slidenum">
+            <a:fld id="{41549059-2B19-4A45-AA3F-90B191F20A3A}" type="slidenum">
               <a:rPr lang="zh-CN" altLang="en-US" smtClean="0"/>
               <a:t>‹#›</a:t>
             </a:fld>
@@ -317,7 +317,7 @@
     </p:spTree>
     <p:extLst>
       <p:ext uri="{BB962C8B-B14F-4D97-AF65-F5344CB8AC3E}">
-        <p14:creationId xmlns:p14="http://schemas.microsoft.com/office/powerpoint/2010/main" val="1403979065"/>
+        <p14:creationId xmlns:p14="http://schemas.microsoft.com/office/powerpoint/2010/main" val="3701534436"/>
       </p:ext>
     </p:extLst>
   </p:cSld>
@@ -349,7 +349,7 @@
           <p:cNvPr id="2" name="标题 1">
             <a:extLst>
               <a:ext uri="{FF2B5EF4-FFF2-40B4-BE49-F238E27FC236}">
-                <a16:creationId xmlns:a16="http://schemas.microsoft.com/office/drawing/2014/main" id="{6D562127-0D7C-392F-B2D2-C7C2524E7CBA}"/>
+                <a16:creationId xmlns:a16="http://schemas.microsoft.com/office/drawing/2014/main" id="{45DA99BE-C4A8-5FD5-3392-B8290850048D}"/>
               </a:ext>
             </a:extLst>
           </p:cNvPr>
@@ -377,7 +377,7 @@
           <p:cNvPr id="3" name="竖排文字占位符 2">
             <a:extLst>
               <a:ext uri="{FF2B5EF4-FFF2-40B4-BE49-F238E27FC236}">
-                <a16:creationId xmlns:a16="http://schemas.microsoft.com/office/drawing/2014/main" id="{F02D4F50-F264-B507-DC1B-2B4C77269E59}"/>
+                <a16:creationId xmlns:a16="http://schemas.microsoft.com/office/drawing/2014/main" id="{275C0928-5BCB-390D-D92D-CE882FF5037A}"/>
               </a:ext>
             </a:extLst>
           </p:cNvPr>
@@ -434,7 +434,7 @@
           <p:cNvPr id="4" name="日期占位符 3">
             <a:extLst>
               <a:ext uri="{FF2B5EF4-FFF2-40B4-BE49-F238E27FC236}">
-                <a16:creationId xmlns:a16="http://schemas.microsoft.com/office/drawing/2014/main" id="{52561AE7-A926-D9A2-EA27-B14EA2A9F871}"/>
+                <a16:creationId xmlns:a16="http://schemas.microsoft.com/office/drawing/2014/main" id="{CCDE26C5-8093-4315-827F-D37EF2189E9D}"/>
               </a:ext>
             </a:extLst>
           </p:cNvPr>
@@ -450,7 +450,7 @@
           <a:bodyPr/>
           <a:lstStyle/>
           <a:p>
-            <a:fld id="{96718148-C708-4D2A-9502-6237300CB35C}" type="datetimeFigureOut">
+            <a:fld id="{10125793-736B-45F0-8F9C-B91A62A29EAE}" type="datetimeFigureOut">
               <a:rPr lang="zh-CN" altLang="en-US" smtClean="0"/>
               <a:t>2024/3/10</a:t>
             </a:fld>
@@ -463,7 +463,7 @@
           <p:cNvPr id="5" name="页脚占位符 4">
             <a:extLst>
               <a:ext uri="{FF2B5EF4-FFF2-40B4-BE49-F238E27FC236}">
-                <a16:creationId xmlns:a16="http://schemas.microsoft.com/office/drawing/2014/main" id="{CA34AE22-C571-0419-AF52-3E8EF29BDA4F}"/>
+                <a16:creationId xmlns:a16="http://schemas.microsoft.com/office/drawing/2014/main" id="{48013770-36A5-F269-FC0A-480C0D2D737E}"/>
               </a:ext>
             </a:extLst>
           </p:cNvPr>
@@ -488,7 +488,7 @@
           <p:cNvPr id="6" name="灯片编号占位符 5">
             <a:extLst>
               <a:ext uri="{FF2B5EF4-FFF2-40B4-BE49-F238E27FC236}">
-                <a16:creationId xmlns:a16="http://schemas.microsoft.com/office/drawing/2014/main" id="{30818DD3-D159-38AE-8675-AE6A27DF647A}"/>
+                <a16:creationId xmlns:a16="http://schemas.microsoft.com/office/drawing/2014/main" id="{B89E745B-3C66-5DF4-6E52-9BFD3BE7D0FA}"/>
               </a:ext>
             </a:extLst>
           </p:cNvPr>
@@ -504,7 +504,7 @@
           <a:bodyPr/>
           <a:lstStyle/>
           <a:p>
-            <a:fld id="{F33BF736-A6FE-4AAD-AD40-B1BA659B34D4}" type="slidenum">
+            <a:fld id="{41549059-2B19-4A45-AA3F-90B191F20A3A}" type="slidenum">
               <a:rPr lang="zh-CN" altLang="en-US" smtClean="0"/>
               <a:t>‹#›</a:t>
             </a:fld>
@@ -515,7 +515,7 @@
     </p:spTree>
     <p:extLst>
       <p:ext uri="{BB962C8B-B14F-4D97-AF65-F5344CB8AC3E}">
-        <p14:creationId xmlns:p14="http://schemas.microsoft.com/office/powerpoint/2010/main" val="1305039688"/>
+        <p14:creationId xmlns:p14="http://schemas.microsoft.com/office/powerpoint/2010/main" val="2871648531"/>
       </p:ext>
     </p:extLst>
   </p:cSld>
@@ -547,7 +547,7 @@
           <p:cNvPr id="2" name="竖排标题 1">
             <a:extLst>
               <a:ext uri="{FF2B5EF4-FFF2-40B4-BE49-F238E27FC236}">
-                <a16:creationId xmlns:a16="http://schemas.microsoft.com/office/drawing/2014/main" id="{857B2BC5-D9F4-1366-66C6-EB08822819EC}"/>
+                <a16:creationId xmlns:a16="http://schemas.microsoft.com/office/drawing/2014/main" id="{937FD6E0-B783-FB41-7B3F-69104B749E44}"/>
               </a:ext>
             </a:extLst>
           </p:cNvPr>
@@ -580,7 +580,7 @@
           <p:cNvPr id="3" name="竖排文字占位符 2">
             <a:extLst>
               <a:ext uri="{FF2B5EF4-FFF2-40B4-BE49-F238E27FC236}">
-                <a16:creationId xmlns:a16="http://schemas.microsoft.com/office/drawing/2014/main" id="{883C79B2-44F2-1EE5-B9BF-70AD05086DD3}"/>
+                <a16:creationId xmlns:a16="http://schemas.microsoft.com/office/drawing/2014/main" id="{B8798C72-E00A-6E3B-374D-DB9169E9C4BE}"/>
               </a:ext>
             </a:extLst>
           </p:cNvPr>
@@ -642,7 +642,7 @@
           <p:cNvPr id="4" name="日期占位符 3">
             <a:extLst>
               <a:ext uri="{FF2B5EF4-FFF2-40B4-BE49-F238E27FC236}">
-                <a16:creationId xmlns:a16="http://schemas.microsoft.com/office/drawing/2014/main" id="{A8619E92-D1C8-A31D-00A4-09BDE82BC234}"/>
+                <a16:creationId xmlns:a16="http://schemas.microsoft.com/office/drawing/2014/main" id="{4E7CC0F4-6CBF-CF01-80E9-983C24690BE5}"/>
               </a:ext>
             </a:extLst>
           </p:cNvPr>
@@ -658,7 +658,7 @@
           <a:bodyPr/>
           <a:lstStyle/>
           <a:p>
-            <a:fld id="{96718148-C708-4D2A-9502-6237300CB35C}" type="datetimeFigureOut">
+            <a:fld id="{10125793-736B-45F0-8F9C-B91A62A29EAE}" type="datetimeFigureOut">
               <a:rPr lang="zh-CN" altLang="en-US" smtClean="0"/>
               <a:t>2024/3/10</a:t>
             </a:fld>
@@ -671,7 +671,7 @@
           <p:cNvPr id="5" name="页脚占位符 4">
             <a:extLst>
               <a:ext uri="{FF2B5EF4-FFF2-40B4-BE49-F238E27FC236}">
-                <a16:creationId xmlns:a16="http://schemas.microsoft.com/office/drawing/2014/main" id="{87E3E55E-BBB3-3097-BCE9-02925123B70D}"/>
+                <a16:creationId xmlns:a16="http://schemas.microsoft.com/office/drawing/2014/main" id="{DE459AB1-4B10-81D3-021A-481CDE501951}"/>
               </a:ext>
             </a:extLst>
           </p:cNvPr>
@@ -696,7 +696,7 @@
           <p:cNvPr id="6" name="灯片编号占位符 5">
             <a:extLst>
               <a:ext uri="{FF2B5EF4-FFF2-40B4-BE49-F238E27FC236}">
-                <a16:creationId xmlns:a16="http://schemas.microsoft.com/office/drawing/2014/main" id="{0139181A-F264-E192-6036-BC28972393EE}"/>
+                <a16:creationId xmlns:a16="http://schemas.microsoft.com/office/drawing/2014/main" id="{FF8FA2F2-33DF-DB56-8B9C-AC031AE146D7}"/>
               </a:ext>
             </a:extLst>
           </p:cNvPr>
@@ -712,7 +712,7 @@
           <a:bodyPr/>
           <a:lstStyle/>
           <a:p>
-            <a:fld id="{F33BF736-A6FE-4AAD-AD40-B1BA659B34D4}" type="slidenum">
+            <a:fld id="{41549059-2B19-4A45-AA3F-90B191F20A3A}" type="slidenum">
               <a:rPr lang="zh-CN" altLang="en-US" smtClean="0"/>
               <a:t>‹#›</a:t>
             </a:fld>
@@ -723,7 +723,7 @@
     </p:spTree>
     <p:extLst>
       <p:ext uri="{BB962C8B-B14F-4D97-AF65-F5344CB8AC3E}">
-        <p14:creationId xmlns:p14="http://schemas.microsoft.com/office/powerpoint/2010/main" val="1645769460"/>
+        <p14:creationId xmlns:p14="http://schemas.microsoft.com/office/powerpoint/2010/main" val="3954966202"/>
       </p:ext>
     </p:extLst>
   </p:cSld>
@@ -755,7 +755,7 @@
           <p:cNvPr id="2" name="标题 1">
             <a:extLst>
               <a:ext uri="{FF2B5EF4-FFF2-40B4-BE49-F238E27FC236}">
-                <a16:creationId xmlns:a16="http://schemas.microsoft.com/office/drawing/2014/main" id="{BFC22C28-BBA6-51E0-2B1E-760FCD2309CD}"/>
+                <a16:creationId xmlns:a16="http://schemas.microsoft.com/office/drawing/2014/main" id="{2DAE9150-B9A6-5233-B264-D1581F67AE1D}"/>
               </a:ext>
             </a:extLst>
           </p:cNvPr>
@@ -783,7 +783,7 @@
           <p:cNvPr id="3" name="内容占位符 2">
             <a:extLst>
               <a:ext uri="{FF2B5EF4-FFF2-40B4-BE49-F238E27FC236}">
-                <a16:creationId xmlns:a16="http://schemas.microsoft.com/office/drawing/2014/main" id="{2CBFE604-7079-9DE2-9767-06CE082AC43C}"/>
+                <a16:creationId xmlns:a16="http://schemas.microsoft.com/office/drawing/2014/main" id="{E8B2C8DB-0FC4-4BA1-9834-C3A38EDB3A66}"/>
               </a:ext>
             </a:extLst>
           </p:cNvPr>
@@ -840,7 +840,7 @@
           <p:cNvPr id="4" name="日期占位符 3">
             <a:extLst>
               <a:ext uri="{FF2B5EF4-FFF2-40B4-BE49-F238E27FC236}">
-                <a16:creationId xmlns:a16="http://schemas.microsoft.com/office/drawing/2014/main" id="{D25B356D-7D08-3237-2F50-B677BCDCCE37}"/>
+                <a16:creationId xmlns:a16="http://schemas.microsoft.com/office/drawing/2014/main" id="{08A235C0-0F60-E790-4550-DEC0EE9724FC}"/>
               </a:ext>
             </a:extLst>
           </p:cNvPr>
@@ -856,7 +856,7 @@
           <a:bodyPr/>
           <a:lstStyle/>
           <a:p>
-            <a:fld id="{96718148-C708-4D2A-9502-6237300CB35C}" type="datetimeFigureOut">
+            <a:fld id="{10125793-736B-45F0-8F9C-B91A62A29EAE}" type="datetimeFigureOut">
               <a:rPr lang="zh-CN" altLang="en-US" smtClean="0"/>
               <a:t>2024/3/10</a:t>
             </a:fld>
@@ -869,7 +869,7 @@
           <p:cNvPr id="5" name="页脚占位符 4">
             <a:extLst>
               <a:ext uri="{FF2B5EF4-FFF2-40B4-BE49-F238E27FC236}">
-                <a16:creationId xmlns:a16="http://schemas.microsoft.com/office/drawing/2014/main" id="{355EDCFD-864F-5F96-771F-FC5FF37ADA53}"/>
+                <a16:creationId xmlns:a16="http://schemas.microsoft.com/office/drawing/2014/main" id="{BC88E751-D3FA-0BD2-2FFE-2A471F94FD48}"/>
               </a:ext>
             </a:extLst>
           </p:cNvPr>
@@ -894,7 +894,7 @@
           <p:cNvPr id="6" name="灯片编号占位符 5">
             <a:extLst>
               <a:ext uri="{FF2B5EF4-FFF2-40B4-BE49-F238E27FC236}">
-                <a16:creationId xmlns:a16="http://schemas.microsoft.com/office/drawing/2014/main" id="{798B3552-99E3-155D-333B-C8481B970F22}"/>
+                <a16:creationId xmlns:a16="http://schemas.microsoft.com/office/drawing/2014/main" id="{AEC0ED40-150A-D691-37FF-6F128BE23C87}"/>
               </a:ext>
             </a:extLst>
           </p:cNvPr>
@@ -910,7 +910,7 @@
           <a:bodyPr/>
           <a:lstStyle/>
           <a:p>
-            <a:fld id="{F33BF736-A6FE-4AAD-AD40-B1BA659B34D4}" type="slidenum">
+            <a:fld id="{41549059-2B19-4A45-AA3F-90B191F20A3A}" type="slidenum">
               <a:rPr lang="zh-CN" altLang="en-US" smtClean="0"/>
               <a:t>‹#›</a:t>
             </a:fld>
@@ -921,7 +921,7 @@
     </p:spTree>
     <p:extLst>
       <p:ext uri="{BB962C8B-B14F-4D97-AF65-F5344CB8AC3E}">
-        <p14:creationId xmlns:p14="http://schemas.microsoft.com/office/powerpoint/2010/main" val="3965855258"/>
+        <p14:creationId xmlns:p14="http://schemas.microsoft.com/office/powerpoint/2010/main" val="771913181"/>
       </p:ext>
     </p:extLst>
   </p:cSld>
@@ -953,7 +953,7 @@
           <p:cNvPr id="2" name="标题 1">
             <a:extLst>
               <a:ext uri="{FF2B5EF4-FFF2-40B4-BE49-F238E27FC236}">
-                <a16:creationId xmlns:a16="http://schemas.microsoft.com/office/drawing/2014/main" id="{5C1F3809-5179-839A-6BA2-480AA067CCE3}"/>
+                <a16:creationId xmlns:a16="http://schemas.microsoft.com/office/drawing/2014/main" id="{ED22A636-70AE-4785-C626-AB08A1E9F093}"/>
               </a:ext>
             </a:extLst>
           </p:cNvPr>
@@ -990,7 +990,7 @@
           <p:cNvPr id="3" name="文本占位符 2">
             <a:extLst>
               <a:ext uri="{FF2B5EF4-FFF2-40B4-BE49-F238E27FC236}">
-                <a16:creationId xmlns:a16="http://schemas.microsoft.com/office/drawing/2014/main" id="{826E3752-790D-C3EB-EA1C-6B276E68FF8B}"/>
+                <a16:creationId xmlns:a16="http://schemas.microsoft.com/office/drawing/2014/main" id="{50487309-56C9-BDF1-FAF7-A07793A6EEB5}"/>
               </a:ext>
             </a:extLst>
           </p:cNvPr>
@@ -1115,7 +1115,7 @@
           <p:cNvPr id="4" name="日期占位符 3">
             <a:extLst>
               <a:ext uri="{FF2B5EF4-FFF2-40B4-BE49-F238E27FC236}">
-                <a16:creationId xmlns:a16="http://schemas.microsoft.com/office/drawing/2014/main" id="{E428DDA4-C966-3234-9916-441D021990DC}"/>
+                <a16:creationId xmlns:a16="http://schemas.microsoft.com/office/drawing/2014/main" id="{59F47EF2-180C-5050-18B5-1E66B43243B6}"/>
               </a:ext>
             </a:extLst>
           </p:cNvPr>
@@ -1131,7 +1131,7 @@
           <a:bodyPr/>
           <a:lstStyle/>
           <a:p>
-            <a:fld id="{96718148-C708-4D2A-9502-6237300CB35C}" type="datetimeFigureOut">
+            <a:fld id="{10125793-736B-45F0-8F9C-B91A62A29EAE}" type="datetimeFigureOut">
               <a:rPr lang="zh-CN" altLang="en-US" smtClean="0"/>
               <a:t>2024/3/10</a:t>
             </a:fld>
@@ -1144,7 +1144,7 @@
           <p:cNvPr id="5" name="页脚占位符 4">
             <a:extLst>
               <a:ext uri="{FF2B5EF4-FFF2-40B4-BE49-F238E27FC236}">
-                <a16:creationId xmlns:a16="http://schemas.microsoft.com/office/drawing/2014/main" id="{260F13C5-5879-79B6-7B69-046A67DF1365}"/>
+                <a16:creationId xmlns:a16="http://schemas.microsoft.com/office/drawing/2014/main" id="{EC12FE73-C711-8AFD-535B-63EF7F04D72E}"/>
               </a:ext>
             </a:extLst>
           </p:cNvPr>
@@ -1169,7 +1169,7 @@
           <p:cNvPr id="6" name="灯片编号占位符 5">
             <a:extLst>
               <a:ext uri="{FF2B5EF4-FFF2-40B4-BE49-F238E27FC236}">
-                <a16:creationId xmlns:a16="http://schemas.microsoft.com/office/drawing/2014/main" id="{16D3406A-C5CE-5E30-C007-48DAE9EB3EAD}"/>
+                <a16:creationId xmlns:a16="http://schemas.microsoft.com/office/drawing/2014/main" id="{F9BB1EEE-FB92-702A-5B6F-D85CDCA09E27}"/>
               </a:ext>
             </a:extLst>
           </p:cNvPr>
@@ -1185,7 +1185,7 @@
           <a:bodyPr/>
           <a:lstStyle/>
           <a:p>
-            <a:fld id="{F33BF736-A6FE-4AAD-AD40-B1BA659B34D4}" type="slidenum">
+            <a:fld id="{41549059-2B19-4A45-AA3F-90B191F20A3A}" type="slidenum">
               <a:rPr lang="zh-CN" altLang="en-US" smtClean="0"/>
               <a:t>‹#›</a:t>
             </a:fld>
@@ -1196,7 +1196,7 @@
     </p:spTree>
     <p:extLst>
       <p:ext uri="{BB962C8B-B14F-4D97-AF65-F5344CB8AC3E}">
-        <p14:creationId xmlns:p14="http://schemas.microsoft.com/office/powerpoint/2010/main" val="682661495"/>
+        <p14:creationId xmlns:p14="http://schemas.microsoft.com/office/powerpoint/2010/main" val="1750743594"/>
       </p:ext>
     </p:extLst>
   </p:cSld>
@@ -1228,7 +1228,7 @@
           <p:cNvPr id="2" name="标题 1">
             <a:extLst>
               <a:ext uri="{FF2B5EF4-FFF2-40B4-BE49-F238E27FC236}">
-                <a16:creationId xmlns:a16="http://schemas.microsoft.com/office/drawing/2014/main" id="{5C2B4581-B02E-DEE6-B5FE-AAA399C9ECE3}"/>
+                <a16:creationId xmlns:a16="http://schemas.microsoft.com/office/drawing/2014/main" id="{5A1E39E2-A283-4C57-2479-827D7C347B06}"/>
               </a:ext>
             </a:extLst>
           </p:cNvPr>
@@ -1256,7 +1256,7 @@
           <p:cNvPr id="3" name="内容占位符 2">
             <a:extLst>
               <a:ext uri="{FF2B5EF4-FFF2-40B4-BE49-F238E27FC236}">
-                <a16:creationId xmlns:a16="http://schemas.microsoft.com/office/drawing/2014/main" id="{A3233848-EB29-F08C-604B-E0CFA82F4174}"/>
+                <a16:creationId xmlns:a16="http://schemas.microsoft.com/office/drawing/2014/main" id="{7709D582-5041-C918-50D1-BC9A56E1DFCC}"/>
               </a:ext>
             </a:extLst>
           </p:cNvPr>
@@ -1318,7 +1318,7 @@
           <p:cNvPr id="4" name="内容占位符 3">
             <a:extLst>
               <a:ext uri="{FF2B5EF4-FFF2-40B4-BE49-F238E27FC236}">
-                <a16:creationId xmlns:a16="http://schemas.microsoft.com/office/drawing/2014/main" id="{3AAB51D9-4D68-FA44-A3E4-4CF931CA274D}"/>
+                <a16:creationId xmlns:a16="http://schemas.microsoft.com/office/drawing/2014/main" id="{8B53432C-1E59-43FC-43FE-E68C03CCC071}"/>
               </a:ext>
             </a:extLst>
           </p:cNvPr>
@@ -1380,7 +1380,7 @@
           <p:cNvPr id="5" name="日期占位符 4">
             <a:extLst>
               <a:ext uri="{FF2B5EF4-FFF2-40B4-BE49-F238E27FC236}">
-                <a16:creationId xmlns:a16="http://schemas.microsoft.com/office/drawing/2014/main" id="{44518915-EE21-F9D8-02E9-F1B92A220D56}"/>
+                <a16:creationId xmlns:a16="http://schemas.microsoft.com/office/drawing/2014/main" id="{32171771-4525-2E40-23BB-ED1F2C229020}"/>
               </a:ext>
             </a:extLst>
           </p:cNvPr>
@@ -1396,7 +1396,7 @@
           <a:bodyPr/>
           <a:lstStyle/>
           <a:p>
-            <a:fld id="{96718148-C708-4D2A-9502-6237300CB35C}" type="datetimeFigureOut">
+            <a:fld id="{10125793-736B-45F0-8F9C-B91A62A29EAE}" type="datetimeFigureOut">
               <a:rPr lang="zh-CN" altLang="en-US" smtClean="0"/>
               <a:t>2024/3/10</a:t>
             </a:fld>
@@ -1409,7 +1409,7 @@
           <p:cNvPr id="6" name="页脚占位符 5">
             <a:extLst>
               <a:ext uri="{FF2B5EF4-FFF2-40B4-BE49-F238E27FC236}">
-                <a16:creationId xmlns:a16="http://schemas.microsoft.com/office/drawing/2014/main" id="{735AFF17-5B61-BA67-7366-2D3DC741C93D}"/>
+                <a16:creationId xmlns:a16="http://schemas.microsoft.com/office/drawing/2014/main" id="{B8CA90B4-2249-7F67-4B54-C1833E7DF8E6}"/>
               </a:ext>
             </a:extLst>
           </p:cNvPr>
@@ -1434,7 +1434,7 @@
           <p:cNvPr id="7" name="灯片编号占位符 6">
             <a:extLst>
               <a:ext uri="{FF2B5EF4-FFF2-40B4-BE49-F238E27FC236}">
-                <a16:creationId xmlns:a16="http://schemas.microsoft.com/office/drawing/2014/main" id="{814AAFA0-B7F0-AF1D-C7A6-F88768329E69}"/>
+                <a16:creationId xmlns:a16="http://schemas.microsoft.com/office/drawing/2014/main" id="{4899EA5A-1E5F-DDAE-B5B8-2003777444DA}"/>
               </a:ext>
             </a:extLst>
           </p:cNvPr>
@@ -1450,7 +1450,7 @@
           <a:bodyPr/>
           <a:lstStyle/>
           <a:p>
-            <a:fld id="{F33BF736-A6FE-4AAD-AD40-B1BA659B34D4}" type="slidenum">
+            <a:fld id="{41549059-2B19-4A45-AA3F-90B191F20A3A}" type="slidenum">
               <a:rPr lang="zh-CN" altLang="en-US" smtClean="0"/>
               <a:t>‹#›</a:t>
             </a:fld>
@@ -1461,7 +1461,7 @@
     </p:spTree>
     <p:extLst>
       <p:ext uri="{BB962C8B-B14F-4D97-AF65-F5344CB8AC3E}">
-        <p14:creationId xmlns:p14="http://schemas.microsoft.com/office/powerpoint/2010/main" val="2236108718"/>
+        <p14:creationId xmlns:p14="http://schemas.microsoft.com/office/powerpoint/2010/main" val="3001645553"/>
       </p:ext>
     </p:extLst>
   </p:cSld>
@@ -1493,7 +1493,7 @@
           <p:cNvPr id="2" name="标题 1">
             <a:extLst>
               <a:ext uri="{FF2B5EF4-FFF2-40B4-BE49-F238E27FC236}">
-                <a16:creationId xmlns:a16="http://schemas.microsoft.com/office/drawing/2014/main" id="{38D8BF32-D058-689F-8C0A-5613EB642F4B}"/>
+                <a16:creationId xmlns:a16="http://schemas.microsoft.com/office/drawing/2014/main" id="{58CC14B0-6195-BDED-7D81-A7932FCB2BED}"/>
               </a:ext>
             </a:extLst>
           </p:cNvPr>
@@ -1526,7 +1526,7 @@
           <p:cNvPr id="3" name="文本占位符 2">
             <a:extLst>
               <a:ext uri="{FF2B5EF4-FFF2-40B4-BE49-F238E27FC236}">
-                <a16:creationId xmlns:a16="http://schemas.microsoft.com/office/drawing/2014/main" id="{BC2072F5-FDD8-0A56-2710-E3C36E9A9A70}"/>
+                <a16:creationId xmlns:a16="http://schemas.microsoft.com/office/drawing/2014/main" id="{86E24888-78C6-8867-5196-D9896F80B3A7}"/>
               </a:ext>
             </a:extLst>
           </p:cNvPr>
@@ -1597,7 +1597,7 @@
           <p:cNvPr id="4" name="内容占位符 3">
             <a:extLst>
               <a:ext uri="{FF2B5EF4-FFF2-40B4-BE49-F238E27FC236}">
-                <a16:creationId xmlns:a16="http://schemas.microsoft.com/office/drawing/2014/main" id="{FB97254A-1883-3B52-B2B6-427B8A81509E}"/>
+                <a16:creationId xmlns:a16="http://schemas.microsoft.com/office/drawing/2014/main" id="{A469A284-37BA-AB00-3811-9CC4579A5EA9}"/>
               </a:ext>
             </a:extLst>
           </p:cNvPr>
@@ -1659,7 +1659,7 @@
           <p:cNvPr id="5" name="文本占位符 4">
             <a:extLst>
               <a:ext uri="{FF2B5EF4-FFF2-40B4-BE49-F238E27FC236}">
-                <a16:creationId xmlns:a16="http://schemas.microsoft.com/office/drawing/2014/main" id="{126551CD-7B87-8841-F2DF-E07A5BFCDB2B}"/>
+                <a16:creationId xmlns:a16="http://schemas.microsoft.com/office/drawing/2014/main" id="{20F71005-6BED-E929-1011-1CFB2C5AB15F}"/>
               </a:ext>
             </a:extLst>
           </p:cNvPr>
@@ -1730,7 +1730,7 @@
           <p:cNvPr id="6" name="内容占位符 5">
             <a:extLst>
               <a:ext uri="{FF2B5EF4-FFF2-40B4-BE49-F238E27FC236}">
-                <a16:creationId xmlns:a16="http://schemas.microsoft.com/office/drawing/2014/main" id="{325680DA-3197-8667-E6D0-7E64E33C676B}"/>
+                <a16:creationId xmlns:a16="http://schemas.microsoft.com/office/drawing/2014/main" id="{57C1FF70-B1B2-527E-D129-617B3697E382}"/>
               </a:ext>
             </a:extLst>
           </p:cNvPr>
@@ -1792,7 +1792,7 @@
           <p:cNvPr id="7" name="日期占位符 6">
             <a:extLst>
               <a:ext uri="{FF2B5EF4-FFF2-40B4-BE49-F238E27FC236}">
-                <a16:creationId xmlns:a16="http://schemas.microsoft.com/office/drawing/2014/main" id="{E0B051A6-CE80-181B-7B01-17C2B792C87A}"/>
+                <a16:creationId xmlns:a16="http://schemas.microsoft.com/office/drawing/2014/main" id="{D82A8375-067B-CF31-7109-44BA47753FC8}"/>
               </a:ext>
             </a:extLst>
           </p:cNvPr>
@@ -1808,7 +1808,7 @@
           <a:bodyPr/>
           <a:lstStyle/>
           <a:p>
-            <a:fld id="{96718148-C708-4D2A-9502-6237300CB35C}" type="datetimeFigureOut">
+            <a:fld id="{10125793-736B-45F0-8F9C-B91A62A29EAE}" type="datetimeFigureOut">
               <a:rPr lang="zh-CN" altLang="en-US" smtClean="0"/>
               <a:t>2024/3/10</a:t>
             </a:fld>
@@ -1821,7 +1821,7 @@
           <p:cNvPr id="8" name="页脚占位符 7">
             <a:extLst>
               <a:ext uri="{FF2B5EF4-FFF2-40B4-BE49-F238E27FC236}">
-                <a16:creationId xmlns:a16="http://schemas.microsoft.com/office/drawing/2014/main" id="{E2FA5FE8-9C7D-788F-3052-884332789816}"/>
+                <a16:creationId xmlns:a16="http://schemas.microsoft.com/office/drawing/2014/main" id="{8FC01786-F332-4735-38E0-E6B83AAB050A}"/>
               </a:ext>
             </a:extLst>
           </p:cNvPr>
@@ -1846,7 +1846,7 @@
           <p:cNvPr id="9" name="灯片编号占位符 8">
             <a:extLst>
               <a:ext uri="{FF2B5EF4-FFF2-40B4-BE49-F238E27FC236}">
-                <a16:creationId xmlns:a16="http://schemas.microsoft.com/office/drawing/2014/main" id="{A0D75100-A440-2AF4-696D-629D086F8E11}"/>
+                <a16:creationId xmlns:a16="http://schemas.microsoft.com/office/drawing/2014/main" id="{BEE6BB45-946C-9E97-2967-5F7BEE34772F}"/>
               </a:ext>
             </a:extLst>
           </p:cNvPr>
@@ -1862,7 +1862,7 @@
           <a:bodyPr/>
           <a:lstStyle/>
           <a:p>
-            <a:fld id="{F33BF736-A6FE-4AAD-AD40-B1BA659B34D4}" type="slidenum">
+            <a:fld id="{41549059-2B19-4A45-AA3F-90B191F20A3A}" type="slidenum">
               <a:rPr lang="zh-CN" altLang="en-US" smtClean="0"/>
               <a:t>‹#›</a:t>
             </a:fld>
@@ -1873,7 +1873,7 @@
     </p:spTree>
     <p:extLst>
       <p:ext uri="{BB962C8B-B14F-4D97-AF65-F5344CB8AC3E}">
-        <p14:creationId xmlns:p14="http://schemas.microsoft.com/office/powerpoint/2010/main" val="363915577"/>
+        <p14:creationId xmlns:p14="http://schemas.microsoft.com/office/powerpoint/2010/main" val="487187021"/>
       </p:ext>
     </p:extLst>
   </p:cSld>
@@ -1905,7 +1905,7 @@
           <p:cNvPr id="2" name="标题 1">
             <a:extLst>
               <a:ext uri="{FF2B5EF4-FFF2-40B4-BE49-F238E27FC236}">
-                <a16:creationId xmlns:a16="http://schemas.microsoft.com/office/drawing/2014/main" id="{2D4D4ECD-1585-C5AB-9100-D3754AB6CA35}"/>
+                <a16:creationId xmlns:a16="http://schemas.microsoft.com/office/drawing/2014/main" id="{D8BF5564-1C5C-BC2C-449B-9721BC27A78B}"/>
               </a:ext>
             </a:extLst>
           </p:cNvPr>
@@ -1933,7 +1933,7 @@
           <p:cNvPr id="3" name="日期占位符 2">
             <a:extLst>
               <a:ext uri="{FF2B5EF4-FFF2-40B4-BE49-F238E27FC236}">
-                <a16:creationId xmlns:a16="http://schemas.microsoft.com/office/drawing/2014/main" id="{2D2EAC41-F68C-3280-1BC5-419FE1CD6DD6}"/>
+                <a16:creationId xmlns:a16="http://schemas.microsoft.com/office/drawing/2014/main" id="{15BFD240-F5A8-35E5-DC1C-577CC544C006}"/>
               </a:ext>
             </a:extLst>
           </p:cNvPr>
@@ -1949,7 +1949,7 @@
           <a:bodyPr/>
           <a:lstStyle/>
           <a:p>
-            <a:fld id="{96718148-C708-4D2A-9502-6237300CB35C}" type="datetimeFigureOut">
+            <a:fld id="{10125793-736B-45F0-8F9C-B91A62A29EAE}" type="datetimeFigureOut">
               <a:rPr lang="zh-CN" altLang="en-US" smtClean="0"/>
               <a:t>2024/3/10</a:t>
             </a:fld>
@@ -1962,7 +1962,7 @@
           <p:cNvPr id="4" name="页脚占位符 3">
             <a:extLst>
               <a:ext uri="{FF2B5EF4-FFF2-40B4-BE49-F238E27FC236}">
-                <a16:creationId xmlns:a16="http://schemas.microsoft.com/office/drawing/2014/main" id="{6B24CF4A-465C-64DC-E136-616D196F4943}"/>
+                <a16:creationId xmlns:a16="http://schemas.microsoft.com/office/drawing/2014/main" id="{F6FCCE2F-BEE3-7FCD-32CB-DD5ECCCB0AEF}"/>
               </a:ext>
             </a:extLst>
           </p:cNvPr>
@@ -1987,7 +1987,7 @@
           <p:cNvPr id="5" name="灯片编号占位符 4">
             <a:extLst>
               <a:ext uri="{FF2B5EF4-FFF2-40B4-BE49-F238E27FC236}">
-                <a16:creationId xmlns:a16="http://schemas.microsoft.com/office/drawing/2014/main" id="{5645449D-F416-561F-C54E-9EE466230A2F}"/>
+                <a16:creationId xmlns:a16="http://schemas.microsoft.com/office/drawing/2014/main" id="{25034C15-2219-02A1-9F38-0A5A5C692721}"/>
               </a:ext>
             </a:extLst>
           </p:cNvPr>
@@ -2003,7 +2003,7 @@
           <a:bodyPr/>
           <a:lstStyle/>
           <a:p>
-            <a:fld id="{F33BF736-A6FE-4AAD-AD40-B1BA659B34D4}" type="slidenum">
+            <a:fld id="{41549059-2B19-4A45-AA3F-90B191F20A3A}" type="slidenum">
               <a:rPr lang="zh-CN" altLang="en-US" smtClean="0"/>
               <a:t>‹#›</a:t>
             </a:fld>
@@ -2014,7 +2014,7 @@
     </p:spTree>
     <p:extLst>
       <p:ext uri="{BB962C8B-B14F-4D97-AF65-F5344CB8AC3E}">
-        <p14:creationId xmlns:p14="http://schemas.microsoft.com/office/powerpoint/2010/main" val="2133774708"/>
+        <p14:creationId xmlns:p14="http://schemas.microsoft.com/office/powerpoint/2010/main" val="2680910447"/>
       </p:ext>
     </p:extLst>
   </p:cSld>
@@ -2046,7 +2046,7 @@
           <p:cNvPr id="2" name="日期占位符 1">
             <a:extLst>
               <a:ext uri="{FF2B5EF4-FFF2-40B4-BE49-F238E27FC236}">
-                <a16:creationId xmlns:a16="http://schemas.microsoft.com/office/drawing/2014/main" id="{29D8ED86-411A-B401-DBB3-3641D472C29B}"/>
+                <a16:creationId xmlns:a16="http://schemas.microsoft.com/office/drawing/2014/main" id="{4C95B1FD-454D-B46F-614E-E6E2311C1190}"/>
               </a:ext>
             </a:extLst>
           </p:cNvPr>
@@ -2062,7 +2062,7 @@
           <a:bodyPr/>
           <a:lstStyle/>
           <a:p>
-            <a:fld id="{96718148-C708-4D2A-9502-6237300CB35C}" type="datetimeFigureOut">
+            <a:fld id="{10125793-736B-45F0-8F9C-B91A62A29EAE}" type="datetimeFigureOut">
               <a:rPr lang="zh-CN" altLang="en-US" smtClean="0"/>
               <a:t>2024/3/10</a:t>
             </a:fld>
@@ -2075,7 +2075,7 @@
           <p:cNvPr id="3" name="页脚占位符 2">
             <a:extLst>
               <a:ext uri="{FF2B5EF4-FFF2-40B4-BE49-F238E27FC236}">
-                <a16:creationId xmlns:a16="http://schemas.microsoft.com/office/drawing/2014/main" id="{029677E8-7798-32A2-693E-FDDF993E4F85}"/>
+                <a16:creationId xmlns:a16="http://schemas.microsoft.com/office/drawing/2014/main" id="{BBE7E12C-6F37-01A5-F725-15BC42FD98D4}"/>
               </a:ext>
             </a:extLst>
           </p:cNvPr>
@@ -2100,7 +2100,7 @@
           <p:cNvPr id="4" name="灯片编号占位符 3">
             <a:extLst>
               <a:ext uri="{FF2B5EF4-FFF2-40B4-BE49-F238E27FC236}">
-                <a16:creationId xmlns:a16="http://schemas.microsoft.com/office/drawing/2014/main" id="{4F67C667-10CF-6F37-95DB-61817A121697}"/>
+                <a16:creationId xmlns:a16="http://schemas.microsoft.com/office/drawing/2014/main" id="{CDA40218-DB9D-B2EE-F025-94EC14D1DDBE}"/>
               </a:ext>
             </a:extLst>
           </p:cNvPr>
@@ -2116,7 +2116,7 @@
           <a:bodyPr/>
           <a:lstStyle/>
           <a:p>
-            <a:fld id="{F33BF736-A6FE-4AAD-AD40-B1BA659B34D4}" type="slidenum">
+            <a:fld id="{41549059-2B19-4A45-AA3F-90B191F20A3A}" type="slidenum">
               <a:rPr lang="zh-CN" altLang="en-US" smtClean="0"/>
               <a:t>‹#›</a:t>
             </a:fld>
@@ -2127,7 +2127,7 @@
     </p:spTree>
     <p:extLst>
       <p:ext uri="{BB962C8B-B14F-4D97-AF65-F5344CB8AC3E}">
-        <p14:creationId xmlns:p14="http://schemas.microsoft.com/office/powerpoint/2010/main" val="551584685"/>
+        <p14:creationId xmlns:p14="http://schemas.microsoft.com/office/powerpoint/2010/main" val="3005967566"/>
       </p:ext>
     </p:extLst>
   </p:cSld>
@@ -2159,7 +2159,7 @@
           <p:cNvPr id="2" name="标题 1">
             <a:extLst>
               <a:ext uri="{FF2B5EF4-FFF2-40B4-BE49-F238E27FC236}">
-                <a16:creationId xmlns:a16="http://schemas.microsoft.com/office/drawing/2014/main" id="{2928B290-51D9-2E95-2EF7-A1A37B060399}"/>
+                <a16:creationId xmlns:a16="http://schemas.microsoft.com/office/drawing/2014/main" id="{ACB99200-256E-9699-E56C-D3787D62E101}"/>
               </a:ext>
             </a:extLst>
           </p:cNvPr>
@@ -2196,7 +2196,7 @@
           <p:cNvPr id="3" name="内容占位符 2">
             <a:extLst>
               <a:ext uri="{FF2B5EF4-FFF2-40B4-BE49-F238E27FC236}">
-                <a16:creationId xmlns:a16="http://schemas.microsoft.com/office/drawing/2014/main" id="{34AD34E0-5204-57E1-CA23-48927E2E6D79}"/>
+                <a16:creationId xmlns:a16="http://schemas.microsoft.com/office/drawing/2014/main" id="{42A2F4C2-5539-F203-7F99-41C77884E9B5}"/>
               </a:ext>
             </a:extLst>
           </p:cNvPr>
@@ -2286,7 +2286,7 @@
           <p:cNvPr id="4" name="文本占位符 3">
             <a:extLst>
               <a:ext uri="{FF2B5EF4-FFF2-40B4-BE49-F238E27FC236}">
-                <a16:creationId xmlns:a16="http://schemas.microsoft.com/office/drawing/2014/main" id="{6392D43D-9965-2C6D-F06E-282C9CA136C0}"/>
+                <a16:creationId xmlns:a16="http://schemas.microsoft.com/office/drawing/2014/main" id="{75771265-DD0B-290F-6863-9137900A4883}"/>
               </a:ext>
             </a:extLst>
           </p:cNvPr>
@@ -2357,7 +2357,7 @@
           <p:cNvPr id="5" name="日期占位符 4">
             <a:extLst>
               <a:ext uri="{FF2B5EF4-FFF2-40B4-BE49-F238E27FC236}">
-                <a16:creationId xmlns:a16="http://schemas.microsoft.com/office/drawing/2014/main" id="{DAA010BE-728A-28AB-6E59-757C59E61804}"/>
+                <a16:creationId xmlns:a16="http://schemas.microsoft.com/office/drawing/2014/main" id="{A833EC44-12AE-9DE8-46BD-D846D2EA63EC}"/>
               </a:ext>
             </a:extLst>
           </p:cNvPr>
@@ -2373,7 +2373,7 @@
           <a:bodyPr/>
           <a:lstStyle/>
           <a:p>
-            <a:fld id="{96718148-C708-4D2A-9502-6237300CB35C}" type="datetimeFigureOut">
+            <a:fld id="{10125793-736B-45F0-8F9C-B91A62A29EAE}" type="datetimeFigureOut">
               <a:rPr lang="zh-CN" altLang="en-US" smtClean="0"/>
               <a:t>2024/3/10</a:t>
             </a:fld>
@@ -2386,7 +2386,7 @@
           <p:cNvPr id="6" name="页脚占位符 5">
             <a:extLst>
               <a:ext uri="{FF2B5EF4-FFF2-40B4-BE49-F238E27FC236}">
-                <a16:creationId xmlns:a16="http://schemas.microsoft.com/office/drawing/2014/main" id="{89CD321E-CA0E-7398-BC69-4E932CB4E775}"/>
+                <a16:creationId xmlns:a16="http://schemas.microsoft.com/office/drawing/2014/main" id="{CDE83425-1B52-45FE-4F87-053B1DC23742}"/>
               </a:ext>
             </a:extLst>
           </p:cNvPr>
@@ -2411,7 +2411,7 @@
           <p:cNvPr id="7" name="灯片编号占位符 6">
             <a:extLst>
               <a:ext uri="{FF2B5EF4-FFF2-40B4-BE49-F238E27FC236}">
-                <a16:creationId xmlns:a16="http://schemas.microsoft.com/office/drawing/2014/main" id="{19EC52E2-B1E1-80A5-D401-A7BF5AD469F3}"/>
+                <a16:creationId xmlns:a16="http://schemas.microsoft.com/office/drawing/2014/main" id="{9943BA66-4A4B-7DF6-7DAA-716836B20E68}"/>
               </a:ext>
             </a:extLst>
           </p:cNvPr>
@@ -2427,7 +2427,7 @@
           <a:bodyPr/>
           <a:lstStyle/>
           <a:p>
-            <a:fld id="{F33BF736-A6FE-4AAD-AD40-B1BA659B34D4}" type="slidenum">
+            <a:fld id="{41549059-2B19-4A45-AA3F-90B191F20A3A}" type="slidenum">
               <a:rPr lang="zh-CN" altLang="en-US" smtClean="0"/>
               <a:t>‹#›</a:t>
             </a:fld>
@@ -2438,7 +2438,7 @@
     </p:spTree>
     <p:extLst>
       <p:ext uri="{BB962C8B-B14F-4D97-AF65-F5344CB8AC3E}">
-        <p14:creationId xmlns:p14="http://schemas.microsoft.com/office/powerpoint/2010/main" val="604898791"/>
+        <p14:creationId xmlns:p14="http://schemas.microsoft.com/office/powerpoint/2010/main" val="1360939230"/>
       </p:ext>
     </p:extLst>
   </p:cSld>
@@ -2470,7 +2470,7 @@
           <p:cNvPr id="2" name="标题 1">
             <a:extLst>
               <a:ext uri="{FF2B5EF4-FFF2-40B4-BE49-F238E27FC236}">
-                <a16:creationId xmlns:a16="http://schemas.microsoft.com/office/drawing/2014/main" id="{CF6DF0C9-1169-7698-0637-B7865C974562}"/>
+                <a16:creationId xmlns:a16="http://schemas.microsoft.com/office/drawing/2014/main" id="{D591E42C-0D5C-51C1-CFA1-EDE74C64F5A3}"/>
               </a:ext>
             </a:extLst>
           </p:cNvPr>
@@ -2507,7 +2507,7 @@
           <p:cNvPr id="3" name="图片占位符 2">
             <a:extLst>
               <a:ext uri="{FF2B5EF4-FFF2-40B4-BE49-F238E27FC236}">
-                <a16:creationId xmlns:a16="http://schemas.microsoft.com/office/drawing/2014/main" id="{DDFB3A28-FA79-85A5-862F-4815E2375B99}"/>
+                <a16:creationId xmlns:a16="http://schemas.microsoft.com/office/drawing/2014/main" id="{21E57A98-0B34-5009-DA6D-1A02DE59CF5D}"/>
               </a:ext>
             </a:extLst>
           </p:cNvPr>
@@ -2574,7 +2574,7 @@
           <p:cNvPr id="4" name="文本占位符 3">
             <a:extLst>
               <a:ext uri="{FF2B5EF4-FFF2-40B4-BE49-F238E27FC236}">
-                <a16:creationId xmlns:a16="http://schemas.microsoft.com/office/drawing/2014/main" id="{86421BB9-8C91-3BBE-2754-F67171C569C1}"/>
+                <a16:creationId xmlns:a16="http://schemas.microsoft.com/office/drawing/2014/main" id="{ECFE177A-7C25-C68A-7437-ABAFE140D59B}"/>
               </a:ext>
             </a:extLst>
           </p:cNvPr>
@@ -2645,7 +2645,7 @@
           <p:cNvPr id="5" name="日期占位符 4">
             <a:extLst>
               <a:ext uri="{FF2B5EF4-FFF2-40B4-BE49-F238E27FC236}">
-                <a16:creationId xmlns:a16="http://schemas.microsoft.com/office/drawing/2014/main" id="{9E9B6896-1909-AFFE-EC94-E76B8435B8FD}"/>
+                <a16:creationId xmlns:a16="http://schemas.microsoft.com/office/drawing/2014/main" id="{35A79B9B-C0FD-BDE8-DFBA-60816EEC1CFF}"/>
               </a:ext>
             </a:extLst>
           </p:cNvPr>
@@ -2661,7 +2661,7 @@
           <a:bodyPr/>
           <a:lstStyle/>
           <a:p>
-            <a:fld id="{96718148-C708-4D2A-9502-6237300CB35C}" type="datetimeFigureOut">
+            <a:fld id="{10125793-736B-45F0-8F9C-B91A62A29EAE}" type="datetimeFigureOut">
               <a:rPr lang="zh-CN" altLang="en-US" smtClean="0"/>
               <a:t>2024/3/10</a:t>
             </a:fld>
@@ -2674,7 +2674,7 @@
           <p:cNvPr id="6" name="页脚占位符 5">
             <a:extLst>
               <a:ext uri="{FF2B5EF4-FFF2-40B4-BE49-F238E27FC236}">
-                <a16:creationId xmlns:a16="http://schemas.microsoft.com/office/drawing/2014/main" id="{C71A46DD-A691-0D40-37D4-5DD98E2C014D}"/>
+                <a16:creationId xmlns:a16="http://schemas.microsoft.com/office/drawing/2014/main" id="{4E7FACEA-FAB1-F210-085A-7A88D60D5A00}"/>
               </a:ext>
             </a:extLst>
           </p:cNvPr>
@@ -2699,7 +2699,7 @@
           <p:cNvPr id="7" name="灯片编号占位符 6">
             <a:extLst>
               <a:ext uri="{FF2B5EF4-FFF2-40B4-BE49-F238E27FC236}">
-                <a16:creationId xmlns:a16="http://schemas.microsoft.com/office/drawing/2014/main" id="{8987B7DD-A69B-855A-F473-5BA1B16E90B8}"/>
+                <a16:creationId xmlns:a16="http://schemas.microsoft.com/office/drawing/2014/main" id="{28AA1FC2-74BB-ACB1-D57A-E4E5391CB5AB}"/>
               </a:ext>
             </a:extLst>
           </p:cNvPr>
@@ -2715,7 +2715,7 @@
           <a:bodyPr/>
           <a:lstStyle/>
           <a:p>
-            <a:fld id="{F33BF736-A6FE-4AAD-AD40-B1BA659B34D4}" type="slidenum">
+            <a:fld id="{41549059-2B19-4A45-AA3F-90B191F20A3A}" type="slidenum">
               <a:rPr lang="zh-CN" altLang="en-US" smtClean="0"/>
               <a:t>‹#›</a:t>
             </a:fld>
@@ -2726,7 +2726,7 @@
     </p:spTree>
     <p:extLst>
       <p:ext uri="{BB962C8B-B14F-4D97-AF65-F5344CB8AC3E}">
-        <p14:creationId xmlns:p14="http://schemas.microsoft.com/office/powerpoint/2010/main" val="252796232"/>
+        <p14:creationId xmlns:p14="http://schemas.microsoft.com/office/powerpoint/2010/main" val="3514785950"/>
       </p:ext>
     </p:extLst>
   </p:cSld>
@@ -2763,7 +2763,7 @@
           <p:cNvPr id="2" name="标题占位符 1">
             <a:extLst>
               <a:ext uri="{FF2B5EF4-FFF2-40B4-BE49-F238E27FC236}">
-                <a16:creationId xmlns:a16="http://schemas.microsoft.com/office/drawing/2014/main" id="{290968E1-D584-1772-5483-CFDEABEBD28D}"/>
+                <a16:creationId xmlns:a16="http://schemas.microsoft.com/office/drawing/2014/main" id="{0592400C-1BCC-C486-1A8B-F9B4D50B27AA}"/>
               </a:ext>
             </a:extLst>
           </p:cNvPr>
@@ -2801,7 +2801,7 @@
           <p:cNvPr id="3" name="文本占位符 2">
             <a:extLst>
               <a:ext uri="{FF2B5EF4-FFF2-40B4-BE49-F238E27FC236}">
-                <a16:creationId xmlns:a16="http://schemas.microsoft.com/office/drawing/2014/main" id="{93151B06-63B4-9C58-CC65-6B5CA514F9C1}"/>
+                <a16:creationId xmlns:a16="http://schemas.microsoft.com/office/drawing/2014/main" id="{8BAD391E-4528-4850-0163-722A2265BD71}"/>
               </a:ext>
             </a:extLst>
           </p:cNvPr>
@@ -2868,7 +2868,7 @@
           <p:cNvPr id="4" name="日期占位符 3">
             <a:extLst>
               <a:ext uri="{FF2B5EF4-FFF2-40B4-BE49-F238E27FC236}">
-                <a16:creationId xmlns:a16="http://schemas.microsoft.com/office/drawing/2014/main" id="{1A17C38B-A3D2-9A64-7379-3ACACDE3203E}"/>
+                <a16:creationId xmlns:a16="http://schemas.microsoft.com/office/drawing/2014/main" id="{7AB346F3-FB4F-0DA1-4A83-7D1F264CC906}"/>
               </a:ext>
             </a:extLst>
           </p:cNvPr>
@@ -2902,7 +2902,7 @@
             </a:lvl1pPr>
           </a:lstStyle>
           <a:p>
-            <a:fld id="{96718148-C708-4D2A-9502-6237300CB35C}" type="datetimeFigureOut">
+            <a:fld id="{10125793-736B-45F0-8F9C-B91A62A29EAE}" type="datetimeFigureOut">
               <a:rPr lang="zh-CN" altLang="en-US" smtClean="0"/>
               <a:t>2024/3/10</a:t>
             </a:fld>
@@ -2915,7 +2915,7 @@
           <p:cNvPr id="5" name="页脚占位符 4">
             <a:extLst>
               <a:ext uri="{FF2B5EF4-FFF2-40B4-BE49-F238E27FC236}">
-                <a16:creationId xmlns:a16="http://schemas.microsoft.com/office/drawing/2014/main" id="{7474CE99-25DA-DC26-7603-8AE988514089}"/>
+                <a16:creationId xmlns:a16="http://schemas.microsoft.com/office/drawing/2014/main" id="{225A4F8D-8EBF-7387-CAFD-18DDEFB010BD}"/>
               </a:ext>
             </a:extLst>
           </p:cNvPr>
@@ -2958,7 +2958,7 @@
           <p:cNvPr id="6" name="灯片编号占位符 5">
             <a:extLst>
               <a:ext uri="{FF2B5EF4-FFF2-40B4-BE49-F238E27FC236}">
-                <a16:creationId xmlns:a16="http://schemas.microsoft.com/office/drawing/2014/main" id="{F50C75DF-CE76-3261-EEE8-64C15FBADB92}"/>
+                <a16:creationId xmlns:a16="http://schemas.microsoft.com/office/drawing/2014/main" id="{E4AB6605-E479-88F0-64C9-508DD7CF7ACE}"/>
               </a:ext>
             </a:extLst>
           </p:cNvPr>
@@ -2992,7 +2992,7 @@
             </a:lvl1pPr>
           </a:lstStyle>
           <a:p>
-            <a:fld id="{F33BF736-A6FE-4AAD-AD40-B1BA659B34D4}" type="slidenum">
+            <a:fld id="{41549059-2B19-4A45-AA3F-90B191F20A3A}" type="slidenum">
               <a:rPr lang="zh-CN" altLang="en-US" smtClean="0"/>
               <a:t>‹#›</a:t>
             </a:fld>
@@ -3003,7 +3003,7 @@
     </p:spTree>
     <p:extLst>
       <p:ext uri="{BB962C8B-B14F-4D97-AF65-F5344CB8AC3E}">
-        <p14:creationId xmlns:p14="http://schemas.microsoft.com/office/powerpoint/2010/main" val="3675794088"/>
+        <p14:creationId xmlns:p14="http://schemas.microsoft.com/office/powerpoint/2010/main" val="1430137531"/>
       </p:ext>
     </p:extLst>
   </p:cSld>
